--- a/note.pptx
+++ b/note.pptx
@@ -3476,7 +3476,15 @@
             </a:r>
             <a:r>
               <a:rPr lang="en-US" altLang="zh-TW" sz="1400" dirty="0"/>
-              <a:t> create --name py37 python=3.7</a:t>
+              <a:t> create --name </a:t>
+            </a:r>
+            <a:r>
+              <a:rPr lang="en-US" altLang="zh-TW" sz="1400"/>
+              <a:t>py37 python==</a:t>
+            </a:r>
+            <a:r>
+              <a:rPr lang="en-US" altLang="zh-TW" sz="1400" dirty="0"/>
+              <a:t>3.7</a:t>
             </a:r>
           </a:p>
           <a:p>
@@ -3487,23 +3495,8 @@
           </a:p>
           <a:p>
             <a:r>
-              <a:rPr lang="en-US" altLang="zh-TW" sz="1400"/>
-              <a:t>pip </a:t>
-            </a:r>
-            <a:r>
               <a:rPr lang="en-US" altLang="zh-TW" sz="1400" dirty="0"/>
-              <a:t>install </a:t>
-            </a:r>
-            <a:r>
-              <a:rPr lang="en-US" altLang="zh-TW" sz="1400" dirty="0" err="1"/>
-              <a:t>pyaudio</a:t>
-            </a:r>
-            <a:endParaRPr lang="en-US" altLang="zh-TW" sz="1400" dirty="0"/>
-          </a:p>
-          <a:p>
-            <a:r>
-              <a:rPr lang="en-US" altLang="zh-TW" sz="1400" dirty="0"/>
-              <a:t>pip install C:\Users\USER\Downloads\PyAudio-0.2.11-cp39-cp39-win_amd64.whl</a:t>
+              <a:t>pip install PyAudio-0.2.11-cp37-cp37m-win_amd64.whl </a:t>
             </a:r>
           </a:p>
           <a:p>
@@ -3537,9 +3530,21 @@
             </a:r>
             <a:r>
               <a:rPr lang="en-US" altLang="zh-TW" sz="1400" dirty="0" err="1"/>
-              <a:t>SpeechRecognition</a:t>
-            </a:r>
-            <a:endParaRPr lang="zh-TW" altLang="en-US" sz="1400" dirty="0"/>
+              <a:t>websockets</a:t>
+            </a:r>
+            <a:endParaRPr lang="en-US" altLang="zh-TW" sz="1400" dirty="0"/>
+          </a:p>
+          <a:p>
+            <a:endParaRPr lang="en-US" altLang="zh-TW" sz="1400" dirty="0"/>
+          </a:p>
+          <a:p>
+            <a:endParaRPr lang="en-US" altLang="zh-TW" sz="1400" dirty="0"/>
+          </a:p>
+          <a:p>
+            <a:r>
+              <a:rPr lang="en-US" altLang="zh-TW" sz="1400" dirty="0"/>
+              <a:t>pip install configure</a:t>
+            </a:r>
           </a:p>
         </p:txBody>
       </p:sp>

--- a/note.pptx
+++ b/note.pptx
@@ -105,6 +105,11 @@
       </a:defRPr>
     </a:lvl9pPr>
   </p:defaultTextStyle>
+  <p:extLst>
+    <p:ext uri="{EFAFB233-063F-42B5-8137-9DF3F51BA10A}">
+      <p15:sldGuideLst xmlns:p15="http://schemas.microsoft.com/office/powerpoint/2012/main"/>
+    </p:ext>
+  </p:extLst>
 </p:presentation>
 </file>
 
@@ -3476,21 +3481,33 @@
             </a:r>
             <a:r>
               <a:rPr lang="en-US" altLang="zh-TW" sz="1400" dirty="0"/>
-              <a:t> create --name </a:t>
-            </a:r>
-            <a:r>
-              <a:rPr lang="en-US" altLang="zh-TW" sz="1400"/>
-              <a:t>py37 python==</a:t>
-            </a:r>
+              <a:t> create --name py37 python==3.7</a:t>
+            </a:r>
+          </a:p>
+          <a:p>
+            <a:endParaRPr lang="en-US" altLang="zh-TW" sz="1400" dirty="0"/>
+          </a:p>
+          <a:p>
             <a:r>
               <a:rPr lang="en-US" altLang="zh-TW" sz="1400" dirty="0"/>
-              <a:t>3.7</a:t>
-            </a:r>
-          </a:p>
-          <a:p>
-            <a:pPr marL="0" indent="0">
-              <a:buNone/>
-            </a:pPr>
+              <a:t>//realtimeTranslateGoogle.py</a:t>
+            </a:r>
+          </a:p>
+          <a:p>
+            <a:r>
+              <a:rPr lang="en-US" altLang="zh-TW" sz="1400" dirty="0"/>
+              <a:t>pip install </a:t>
+            </a:r>
+            <a:r>
+              <a:rPr lang="en-US" altLang="zh-TW" sz="1400" dirty="0" err="1"/>
+              <a:t>SpeechRecognition</a:t>
+            </a:r>
+            <a:endParaRPr lang="en-US" altLang="zh-TW" sz="1400" dirty="0"/>
+          </a:p>
+          <a:p>
+            <a:endParaRPr lang="en-US" altLang="zh-TW" sz="1400" dirty="0"/>
+          </a:p>
+          <a:p>
             <a:endParaRPr lang="en-US" altLang="zh-TW" sz="1400" dirty="0"/>
           </a:p>
           <a:p>
@@ -3524,27 +3541,7 @@
             </a:r>
           </a:p>
           <a:p>
-            <a:r>
-              <a:rPr lang="en-US" altLang="zh-TW" sz="1400" dirty="0"/>
-              <a:t>pip install </a:t>
-            </a:r>
-            <a:r>
-              <a:rPr lang="en-US" altLang="zh-TW" sz="1400" dirty="0" err="1"/>
-              <a:t>websockets</a:t>
-            </a:r>
             <a:endParaRPr lang="en-US" altLang="zh-TW" sz="1400" dirty="0"/>
-          </a:p>
-          <a:p>
-            <a:endParaRPr lang="en-US" altLang="zh-TW" sz="1400" dirty="0"/>
-          </a:p>
-          <a:p>
-            <a:endParaRPr lang="en-US" altLang="zh-TW" sz="1400" dirty="0"/>
-          </a:p>
-          <a:p>
-            <a:r>
-              <a:rPr lang="en-US" altLang="zh-TW" sz="1400" dirty="0"/>
-              <a:t>pip install configure</a:t>
-            </a:r>
           </a:p>
         </p:txBody>
       </p:sp>

--- a/note.pptx
+++ b/note.pptx
@@ -7,6 +7,7 @@
   <p:sldIdLst>
     <p:sldId id="256" r:id="rId2"/>
     <p:sldId id="257" r:id="rId3"/>
+    <p:sldId id="258" r:id="rId4"/>
   </p:sldIdLst>
   <p:sldSz cx="12192000" cy="6858000"/>
   <p:notesSz cx="6858000" cy="9144000"/>
@@ -260,7 +261,7 @@
           <a:p>
             <a:fld id="{A68B2223-04AF-46FF-AE7B-4C70285CF682}" type="datetimeFigureOut">
               <a:rPr lang="zh-TW" altLang="en-US" smtClean="0"/>
-              <a:t>2022/6/15</a:t>
+              <a:t>2022/6/17</a:t>
             </a:fld>
             <a:endParaRPr lang="zh-TW" altLang="en-US"/>
           </a:p>
@@ -458,7 +459,7 @@
           <a:p>
             <a:fld id="{A68B2223-04AF-46FF-AE7B-4C70285CF682}" type="datetimeFigureOut">
               <a:rPr lang="zh-TW" altLang="en-US" smtClean="0"/>
-              <a:t>2022/6/15</a:t>
+              <a:t>2022/6/17</a:t>
             </a:fld>
             <a:endParaRPr lang="zh-TW" altLang="en-US"/>
           </a:p>
@@ -666,7 +667,7 @@
           <a:p>
             <a:fld id="{A68B2223-04AF-46FF-AE7B-4C70285CF682}" type="datetimeFigureOut">
               <a:rPr lang="zh-TW" altLang="en-US" smtClean="0"/>
-              <a:t>2022/6/15</a:t>
+              <a:t>2022/6/17</a:t>
             </a:fld>
             <a:endParaRPr lang="zh-TW" altLang="en-US"/>
           </a:p>
@@ -864,7 +865,7 @@
           <a:p>
             <a:fld id="{A68B2223-04AF-46FF-AE7B-4C70285CF682}" type="datetimeFigureOut">
               <a:rPr lang="zh-TW" altLang="en-US" smtClean="0"/>
-              <a:t>2022/6/15</a:t>
+              <a:t>2022/6/17</a:t>
             </a:fld>
             <a:endParaRPr lang="zh-TW" altLang="en-US"/>
           </a:p>
@@ -1139,7 +1140,7 @@
           <a:p>
             <a:fld id="{A68B2223-04AF-46FF-AE7B-4C70285CF682}" type="datetimeFigureOut">
               <a:rPr lang="zh-TW" altLang="en-US" smtClean="0"/>
-              <a:t>2022/6/15</a:t>
+              <a:t>2022/6/17</a:t>
             </a:fld>
             <a:endParaRPr lang="zh-TW" altLang="en-US"/>
           </a:p>
@@ -1404,7 +1405,7 @@
           <a:p>
             <a:fld id="{A68B2223-04AF-46FF-AE7B-4C70285CF682}" type="datetimeFigureOut">
               <a:rPr lang="zh-TW" altLang="en-US" smtClean="0"/>
-              <a:t>2022/6/15</a:t>
+              <a:t>2022/6/17</a:t>
             </a:fld>
             <a:endParaRPr lang="zh-TW" altLang="en-US"/>
           </a:p>
@@ -1816,7 +1817,7 @@
           <a:p>
             <a:fld id="{A68B2223-04AF-46FF-AE7B-4C70285CF682}" type="datetimeFigureOut">
               <a:rPr lang="zh-TW" altLang="en-US" smtClean="0"/>
-              <a:t>2022/6/15</a:t>
+              <a:t>2022/6/17</a:t>
             </a:fld>
             <a:endParaRPr lang="zh-TW" altLang="en-US"/>
           </a:p>
@@ -1957,7 +1958,7 @@
           <a:p>
             <a:fld id="{A68B2223-04AF-46FF-AE7B-4C70285CF682}" type="datetimeFigureOut">
               <a:rPr lang="zh-TW" altLang="en-US" smtClean="0"/>
-              <a:t>2022/6/15</a:t>
+              <a:t>2022/6/17</a:t>
             </a:fld>
             <a:endParaRPr lang="zh-TW" altLang="en-US"/>
           </a:p>
@@ -2070,7 +2071,7 @@
           <a:p>
             <a:fld id="{A68B2223-04AF-46FF-AE7B-4C70285CF682}" type="datetimeFigureOut">
               <a:rPr lang="zh-TW" altLang="en-US" smtClean="0"/>
-              <a:t>2022/6/15</a:t>
+              <a:t>2022/6/17</a:t>
             </a:fld>
             <a:endParaRPr lang="zh-TW" altLang="en-US"/>
           </a:p>
@@ -2381,7 +2382,7 @@
           <a:p>
             <a:fld id="{A68B2223-04AF-46FF-AE7B-4C70285CF682}" type="datetimeFigureOut">
               <a:rPr lang="zh-TW" altLang="en-US" smtClean="0"/>
-              <a:t>2022/6/15</a:t>
+              <a:t>2022/6/17</a:t>
             </a:fld>
             <a:endParaRPr lang="zh-TW" altLang="en-US"/>
           </a:p>
@@ -2669,7 +2670,7 @@
           <a:p>
             <a:fld id="{A68B2223-04AF-46FF-AE7B-4C70285CF682}" type="datetimeFigureOut">
               <a:rPr lang="zh-TW" altLang="en-US" smtClean="0"/>
-              <a:t>2022/6/15</a:t>
+              <a:t>2022/6/17</a:t>
             </a:fld>
             <a:endParaRPr lang="zh-TW" altLang="en-US"/>
           </a:p>
@@ -2910,7 +2911,7 @@
           <a:p>
             <a:fld id="{A68B2223-04AF-46FF-AE7B-4C70285CF682}" type="datetimeFigureOut">
               <a:rPr lang="zh-TW" altLang="en-US" smtClean="0"/>
-              <a:t>2022/6/15</a:t>
+              <a:t>2022/6/17</a:t>
             </a:fld>
             <a:endParaRPr lang="zh-TW" altLang="en-US"/>
           </a:p>
@@ -3348,7 +3349,7 @@
           <a:bodyPr/>
           <a:lstStyle/>
           <a:p>
-            <a:endParaRPr lang="zh-TW" altLang="en-US"/>
+            <a:endParaRPr lang="zh-TW" altLang="en-US" dirty="0"/>
           </a:p>
         </p:txBody>
       </p:sp>
@@ -3425,16 +3426,21 @@
         </p:nvSpPr>
         <p:spPr>
           <a:xfrm>
-            <a:off x="838200" y="365126"/>
-            <a:ext cx="10515600" cy="735706"/>
+            <a:off x="838200" y="365125"/>
+            <a:ext cx="10515600" cy="1463675"/>
           </a:xfrm>
         </p:spPr>
         <p:txBody>
-          <a:bodyPr/>
-          <a:lstStyle/>
-          <a:p>
-            <a:r>
-              <a:rPr lang="zh-TW" altLang="en-US" dirty="0"/>
+          <a:bodyPr vert="horz" lIns="91440" tIns="45720" rIns="91440" bIns="45720" rtlCol="0" anchor="ctr">
+            <a:normAutofit/>
+          </a:bodyPr>
+          <a:lstStyle/>
+          <a:p>
+            <a:r>
+              <a:rPr lang="zh-TW" altLang="en-US" dirty="0">
+                <a:latin typeface="標楷體" panose="03000509000000000000" pitchFamily="65" charset="-120"/>
+                <a:ea typeface="標楷體" panose="03000509000000000000" pitchFamily="65" charset="-120"/>
+              </a:rPr>
               <a:t>版本控管</a:t>
             </a:r>
           </a:p>
@@ -3458,90 +3464,143 @@
         </p:nvSpPr>
         <p:spPr>
           <a:xfrm>
-            <a:off x="838200" y="1100832"/>
-            <a:ext cx="10613994" cy="5392042"/>
+            <a:off x="838200" y="1828800"/>
+            <a:ext cx="9016014" cy="4163626"/>
           </a:xfrm>
         </p:spPr>
         <p:txBody>
-          <a:bodyPr>
+          <a:bodyPr vert="horz" lIns="91440" tIns="45720" rIns="91440" bIns="45720" rtlCol="0">
             <a:normAutofit/>
           </a:bodyPr>
           <a:lstStyle/>
           <a:p>
             <a:r>
-              <a:rPr lang="zh-TW" altLang="en-US" sz="1400" dirty="0"/>
+              <a:rPr lang="zh-TW" altLang="en-US" sz="2400" dirty="0">
+                <a:latin typeface="標楷體" panose="03000509000000000000" pitchFamily="65" charset="-120"/>
+                <a:ea typeface="標楷體" panose="03000509000000000000" pitchFamily="65" charset="-120"/>
+              </a:rPr>
               <a:t>虛擬環境</a:t>
             </a:r>
-            <a:endParaRPr lang="en-US" altLang="zh-TW" sz="1400" dirty="0"/>
-          </a:p>
-          <a:p>
-            <a:r>
-              <a:rPr lang="en-US" altLang="zh-TW" sz="1400" dirty="0" err="1"/>
+            <a:endParaRPr lang="en-US" altLang="zh-TW" sz="2400" dirty="0">
+              <a:latin typeface="標楷體" panose="03000509000000000000" pitchFamily="65" charset="-120"/>
+              <a:ea typeface="標楷體" panose="03000509000000000000" pitchFamily="65" charset="-120"/>
+            </a:endParaRPr>
+          </a:p>
+          <a:p>
+            <a:r>
+              <a:rPr lang="en-US" altLang="zh-TW" sz="2400" dirty="0" err="1">
+                <a:latin typeface="標楷體" panose="03000509000000000000" pitchFamily="65" charset="-120"/>
+                <a:ea typeface="標楷體" panose="03000509000000000000" pitchFamily="65" charset="-120"/>
+              </a:rPr>
               <a:t>conda</a:t>
             </a:r>
             <a:r>
-              <a:rPr lang="en-US" altLang="zh-TW" sz="1400" dirty="0"/>
+              <a:rPr lang="en-US" altLang="zh-TW" sz="2400" dirty="0">
+                <a:latin typeface="標楷體" panose="03000509000000000000" pitchFamily="65" charset="-120"/>
+                <a:ea typeface="標楷體" panose="03000509000000000000" pitchFamily="65" charset="-120"/>
+              </a:rPr>
               <a:t> create --name py37 python==3.7</a:t>
             </a:r>
           </a:p>
           <a:p>
-            <a:endParaRPr lang="en-US" altLang="zh-TW" sz="1400" dirty="0"/>
-          </a:p>
-          <a:p>
-            <a:r>
-              <a:rPr lang="en-US" altLang="zh-TW" sz="1400" dirty="0"/>
+            <a:endParaRPr lang="en-US" altLang="zh-TW" sz="2400" dirty="0">
+              <a:latin typeface="標楷體" panose="03000509000000000000" pitchFamily="65" charset="-120"/>
+              <a:ea typeface="標楷體" panose="03000509000000000000" pitchFamily="65" charset="-120"/>
+            </a:endParaRPr>
+          </a:p>
+          <a:p>
+            <a:r>
+              <a:rPr lang="en-US" altLang="zh-TW" sz="2400" dirty="0">
+                <a:latin typeface="標楷體" panose="03000509000000000000" pitchFamily="65" charset="-120"/>
+                <a:ea typeface="標楷體" panose="03000509000000000000" pitchFamily="65" charset="-120"/>
+              </a:rPr>
               <a:t>//realtimeTranslateGoogle.py</a:t>
             </a:r>
           </a:p>
           <a:p>
             <a:r>
-              <a:rPr lang="en-US" altLang="zh-TW" sz="1400" dirty="0"/>
+              <a:rPr lang="en-US" altLang="zh-TW" sz="2400" dirty="0">
+                <a:latin typeface="標楷體" panose="03000509000000000000" pitchFamily="65" charset="-120"/>
+                <a:ea typeface="標楷體" panose="03000509000000000000" pitchFamily="65" charset="-120"/>
+              </a:rPr>
               <a:t>pip install </a:t>
             </a:r>
             <a:r>
-              <a:rPr lang="en-US" altLang="zh-TW" sz="1400" dirty="0" err="1"/>
+              <a:rPr lang="en-US" altLang="zh-TW" sz="2400" dirty="0" err="1">
+                <a:latin typeface="標楷體" panose="03000509000000000000" pitchFamily="65" charset="-120"/>
+                <a:ea typeface="標楷體" panose="03000509000000000000" pitchFamily="65" charset="-120"/>
+              </a:rPr>
               <a:t>SpeechRecognition</a:t>
             </a:r>
-            <a:endParaRPr lang="en-US" altLang="zh-TW" sz="1400" dirty="0"/>
-          </a:p>
-          <a:p>
-            <a:endParaRPr lang="en-US" altLang="zh-TW" sz="1400" dirty="0"/>
-          </a:p>
-          <a:p>
-            <a:endParaRPr lang="en-US" altLang="zh-TW" sz="1400" dirty="0"/>
-          </a:p>
-          <a:p>
-            <a:r>
-              <a:rPr lang="en-US" altLang="zh-TW" sz="1400" dirty="0"/>
+            <a:endParaRPr lang="en-US" altLang="zh-TW" sz="2400" dirty="0">
+              <a:latin typeface="標楷體" panose="03000509000000000000" pitchFamily="65" charset="-120"/>
+              <a:ea typeface="標楷體" panose="03000509000000000000" pitchFamily="65" charset="-120"/>
+            </a:endParaRPr>
+          </a:p>
+          <a:p>
+            <a:endParaRPr lang="en-US" altLang="zh-TW" sz="2400" dirty="0">
+              <a:latin typeface="標楷體" panose="03000509000000000000" pitchFamily="65" charset="-120"/>
+              <a:ea typeface="標楷體" panose="03000509000000000000" pitchFamily="65" charset="-120"/>
+            </a:endParaRPr>
+          </a:p>
+          <a:p>
+            <a:endParaRPr lang="en-US" altLang="zh-TW" sz="2400" dirty="0">
+              <a:latin typeface="標楷體" panose="03000509000000000000" pitchFamily="65" charset="-120"/>
+              <a:ea typeface="標楷體" panose="03000509000000000000" pitchFamily="65" charset="-120"/>
+            </a:endParaRPr>
+          </a:p>
+          <a:p>
+            <a:r>
+              <a:rPr lang="en-US" altLang="zh-TW" sz="2400" dirty="0">
+                <a:latin typeface="標楷體" panose="03000509000000000000" pitchFamily="65" charset="-120"/>
+                <a:ea typeface="標楷體" panose="03000509000000000000" pitchFamily="65" charset="-120"/>
+              </a:rPr>
               <a:t>pip install PyAudio-0.2.11-cp37-cp37m-win_amd64.whl </a:t>
             </a:r>
           </a:p>
           <a:p>
             <a:r>
-              <a:rPr lang="en-US" altLang="zh-TW" sz="1400" dirty="0"/>
+              <a:rPr lang="en-US" altLang="zh-TW" sz="2400" dirty="0">
+                <a:latin typeface="標楷體" panose="03000509000000000000" pitchFamily="65" charset="-120"/>
+                <a:ea typeface="標楷體" panose="03000509000000000000" pitchFamily="65" charset="-120"/>
+              </a:rPr>
               <a:t>(</a:t>
             </a:r>
             <a:r>
-              <a:rPr lang="zh-TW" altLang="en-US" sz="1400" dirty="0"/>
+              <a:rPr lang="zh-TW" altLang="en-US" sz="2400" dirty="0">
+                <a:latin typeface="標楷體" panose="03000509000000000000" pitchFamily="65" charset="-120"/>
+                <a:ea typeface="標楷體" panose="03000509000000000000" pitchFamily="65" charset="-120"/>
+              </a:rPr>
               <a:t> </a:t>
             </a:r>
             <a:r>
-              <a:rPr lang="en-US" altLang="zh-TW" sz="1400" dirty="0">
+              <a:rPr lang="en-US" altLang="zh-TW" sz="2400" dirty="0">
+                <a:latin typeface="標楷體" panose="03000509000000000000" pitchFamily="65" charset="-120"/>
+                <a:ea typeface="標楷體" panose="03000509000000000000" pitchFamily="65" charset="-120"/>
                 <a:hlinkClick r:id="rId2"/>
               </a:rPr>
               <a:t>https://www.lfd.uci.edu/~gohlke/pythonlibs/#pyaudio</a:t>
             </a:r>
             <a:r>
-              <a:rPr lang="zh-TW" altLang="en-US" sz="1400" dirty="0"/>
+              <a:rPr lang="zh-TW" altLang="en-US" sz="2400" dirty="0">
+                <a:latin typeface="標楷體" panose="03000509000000000000" pitchFamily="65" charset="-120"/>
+                <a:ea typeface="標楷體" panose="03000509000000000000" pitchFamily="65" charset="-120"/>
+              </a:rPr>
               <a:t> </a:t>
             </a:r>
             <a:r>
-              <a:rPr lang="en-US" altLang="zh-TW" sz="1400" dirty="0"/>
+              <a:rPr lang="en-US" altLang="zh-TW" sz="2400" dirty="0">
+                <a:latin typeface="標楷體" panose="03000509000000000000" pitchFamily="65" charset="-120"/>
+                <a:ea typeface="標楷體" panose="03000509000000000000" pitchFamily="65" charset="-120"/>
+              </a:rPr>
               <a:t>)</a:t>
             </a:r>
           </a:p>
           <a:p>
-            <a:endParaRPr lang="en-US" altLang="zh-TW" sz="1400" dirty="0"/>
+            <a:endParaRPr lang="en-US" altLang="zh-TW" sz="2400" dirty="0">
+              <a:latin typeface="標楷體" panose="03000509000000000000" pitchFamily="65" charset="-120"/>
+              <a:ea typeface="標楷體" panose="03000509000000000000" pitchFamily="65" charset="-120"/>
+            </a:endParaRPr>
           </a:p>
         </p:txBody>
       </p:sp>
@@ -3549,6 +3608,147 @@
     <p:extLst>
       <p:ext uri="{BB962C8B-B14F-4D97-AF65-F5344CB8AC3E}">
         <p14:creationId xmlns:p14="http://schemas.microsoft.com/office/powerpoint/2010/main" val="2673662102"/>
+      </p:ext>
+    </p:extLst>
+  </p:cSld>
+  <p:clrMapOvr>
+    <a:masterClrMapping/>
+  </p:clrMapOvr>
+</p:sld>
+</file>
+
+<file path=ppt/slides/slide3.xml><?xml version="1.0" encoding="utf-8"?>
+<p:sld xmlns:a="http://schemas.openxmlformats.org/drawingml/2006/main" xmlns:r="http://schemas.openxmlformats.org/officeDocument/2006/relationships" xmlns:p="http://schemas.openxmlformats.org/presentationml/2006/main">
+  <p:cSld>
+    <p:spTree>
+      <p:nvGrpSpPr>
+        <p:cNvPr id="1" name=""/>
+        <p:cNvGrpSpPr/>
+        <p:nvPr/>
+      </p:nvGrpSpPr>
+      <p:grpSpPr>
+        <a:xfrm>
+          <a:off x="0" y="0"/>
+          <a:ext cx="0" cy="0"/>
+          <a:chOff x="0" y="0"/>
+          <a:chExt cx="0" cy="0"/>
+        </a:xfrm>
+      </p:grpSpPr>
+      <p:sp>
+        <p:nvSpPr>
+          <p:cNvPr id="2" name="標題 1">
+            <a:extLst>
+              <a:ext uri="{FF2B5EF4-FFF2-40B4-BE49-F238E27FC236}">
+                <a16:creationId xmlns:a16="http://schemas.microsoft.com/office/drawing/2014/main" id="{B4270987-03C1-B6BA-0ED7-A42FCA0B22CF}"/>
+              </a:ext>
+            </a:extLst>
+          </p:cNvPr>
+          <p:cNvSpPr>
+            <a:spLocks noGrp="1"/>
+          </p:cNvSpPr>
+          <p:nvPr>
+            <p:ph type="title"/>
+          </p:nvPr>
+        </p:nvSpPr>
+        <p:spPr/>
+        <p:txBody>
+          <a:bodyPr/>
+          <a:lstStyle/>
+          <a:p>
+            <a:r>
+              <a:rPr lang="en-US" altLang="zh-TW" sz="4400" dirty="0"/>
+              <a:t>realtimeTranslateGoogle.py</a:t>
+            </a:r>
+            <a:endParaRPr lang="zh-TW" altLang="en-US" dirty="0"/>
+          </a:p>
+        </p:txBody>
+      </p:sp>
+      <p:sp>
+        <p:nvSpPr>
+          <p:cNvPr id="3" name="內容版面配置區 2">
+            <a:extLst>
+              <a:ext uri="{FF2B5EF4-FFF2-40B4-BE49-F238E27FC236}">
+                <a16:creationId xmlns:a16="http://schemas.microsoft.com/office/drawing/2014/main" id="{C7A495A4-AC6F-63CF-1295-1BCEFDA91006}"/>
+              </a:ext>
+            </a:extLst>
+          </p:cNvPr>
+          <p:cNvSpPr>
+            <a:spLocks noGrp="1"/>
+          </p:cNvSpPr>
+          <p:nvPr>
+            <p:ph idx="1"/>
+          </p:nvPr>
+        </p:nvSpPr>
+        <p:spPr/>
+        <p:txBody>
+          <a:bodyPr>
+            <a:normAutofit/>
+          </a:bodyPr>
+          <a:lstStyle/>
+          <a:p>
+            <a:r>
+              <a:rPr lang="en-US" altLang="zh-TW" sz="2400" dirty="0">
+                <a:latin typeface="標楷體" panose="03000509000000000000" pitchFamily="65" charset="-120"/>
+                <a:ea typeface="標楷體" panose="03000509000000000000" pitchFamily="65" charset="-120"/>
+              </a:rPr>
+              <a:t>Reference </a:t>
+            </a:r>
+            <a:r>
+              <a:rPr lang="en-US" altLang="zh-TW" sz="2400" dirty="0">
+                <a:latin typeface="標楷體" panose="03000509000000000000" pitchFamily="65" charset="-120"/>
+                <a:ea typeface="標楷體" panose="03000509000000000000" pitchFamily="65" charset="-120"/>
+                <a:hlinkClick r:id="rId2"/>
+              </a:rPr>
+              <a:t>https://www.geeksforgeeks.org/create-a-real-time-voice-translator-using-python/</a:t>
+            </a:r>
+            <a:endParaRPr lang="en-US" altLang="zh-TW" sz="2400" dirty="0">
+              <a:latin typeface="標楷體" panose="03000509000000000000" pitchFamily="65" charset="-120"/>
+              <a:ea typeface="標楷體" panose="03000509000000000000" pitchFamily="65" charset="-120"/>
+            </a:endParaRPr>
+          </a:p>
+          <a:p>
+            <a:r>
+              <a:rPr lang="zh-TW" altLang="en-US" sz="2400" dirty="0">
+                <a:latin typeface="標楷體" panose="03000509000000000000" pitchFamily="65" charset="-120"/>
+                <a:ea typeface="標楷體" panose="03000509000000000000" pitchFamily="65" charset="-120"/>
+              </a:rPr>
+              <a:t>講</a:t>
+            </a:r>
+            <a:r>
+              <a:rPr lang="en-US" altLang="zh-TW" sz="2400" dirty="0">
+                <a:latin typeface="標楷體" panose="03000509000000000000" pitchFamily="65" charset="-120"/>
+                <a:ea typeface="標楷體" panose="03000509000000000000" pitchFamily="65" charset="-120"/>
+              </a:rPr>
+              <a:t>”</a:t>
+            </a:r>
+            <a:r>
+              <a:rPr lang="zh-TW" altLang="en-US" sz="2400" dirty="0">
+                <a:latin typeface="標楷體" panose="03000509000000000000" pitchFamily="65" charset="-120"/>
+                <a:ea typeface="標楷體" panose="03000509000000000000" pitchFamily="65" charset="-120"/>
+              </a:rPr>
+              <a:t>離開</a:t>
+            </a:r>
+            <a:r>
+              <a:rPr lang="en-US" altLang="zh-TW" sz="2400" dirty="0">
+                <a:latin typeface="標楷體" panose="03000509000000000000" pitchFamily="65" charset="-120"/>
+                <a:ea typeface="標楷體" panose="03000509000000000000" pitchFamily="65" charset="-120"/>
+              </a:rPr>
+              <a:t>”</a:t>
+            </a:r>
+            <a:r>
+              <a:rPr lang="zh-TW" altLang="en-US" sz="2400" dirty="0">
+                <a:latin typeface="標楷體" panose="03000509000000000000" pitchFamily="65" charset="-120"/>
+                <a:ea typeface="標楷體" panose="03000509000000000000" pitchFamily="65" charset="-120"/>
+              </a:rPr>
+              <a:t>停止執行</a:t>
+            </a:r>
+          </a:p>
+        </p:txBody>
+      </p:sp>
+    </p:spTree>
+    <p:extLst>
+      <p:ext uri="{BB962C8B-B14F-4D97-AF65-F5344CB8AC3E}">
+        <p14:creationId xmlns:p14="http://schemas.microsoft.com/office/powerpoint/2010/main" val="3530081538"/>
       </p:ext>
     </p:extLst>
   </p:cSld>

--- a/note.pptx
+++ b/note.pptx
@@ -3464,8 +3464,8 @@
         </p:nvSpPr>
         <p:spPr>
           <a:xfrm>
-            <a:off x="838200" y="1828800"/>
-            <a:ext cx="9016014" cy="4163626"/>
+            <a:off x="838200" y="1828799"/>
+            <a:ext cx="9016014" cy="4891597"/>
           </a:xfrm>
         </p:spPr>
         <p:txBody>
@@ -3503,45 +3503,13 @@
             </a:r>
           </a:p>
           <a:p>
-            <a:endParaRPr lang="en-US" altLang="zh-TW" sz="2400" dirty="0">
-              <a:latin typeface="標楷體" panose="03000509000000000000" pitchFamily="65" charset="-120"/>
-              <a:ea typeface="標楷體" panose="03000509000000000000" pitchFamily="65" charset="-120"/>
-            </a:endParaRPr>
-          </a:p>
-          <a:p>
             <a:r>
               <a:rPr lang="en-US" altLang="zh-TW" sz="2400" dirty="0">
                 <a:latin typeface="標楷體" panose="03000509000000000000" pitchFamily="65" charset="-120"/>
                 <a:ea typeface="標楷體" panose="03000509000000000000" pitchFamily="65" charset="-120"/>
               </a:rPr>
-              <a:t>//realtimeTranslateGoogle.py</a:t>
-            </a:r>
-          </a:p>
-          <a:p>
-            <a:r>
-              <a:rPr lang="en-US" altLang="zh-TW" sz="2400" dirty="0">
-                <a:latin typeface="標楷體" panose="03000509000000000000" pitchFamily="65" charset="-120"/>
-                <a:ea typeface="標楷體" panose="03000509000000000000" pitchFamily="65" charset="-120"/>
-              </a:rPr>
-              <a:t>pip install </a:t>
-            </a:r>
-            <a:r>
-              <a:rPr lang="en-US" altLang="zh-TW" sz="2400" dirty="0" err="1">
-                <a:latin typeface="標楷體" panose="03000509000000000000" pitchFamily="65" charset="-120"/>
-                <a:ea typeface="標楷體" panose="03000509000000000000" pitchFamily="65" charset="-120"/>
-              </a:rPr>
-              <a:t>SpeechRecognition</a:t>
-            </a:r>
-            <a:endParaRPr lang="en-US" altLang="zh-TW" sz="2400" dirty="0">
-              <a:latin typeface="標楷體" panose="03000509000000000000" pitchFamily="65" charset="-120"/>
-              <a:ea typeface="標楷體" panose="03000509000000000000" pitchFamily="65" charset="-120"/>
-            </a:endParaRPr>
-          </a:p>
-          <a:p>
-            <a:endParaRPr lang="en-US" altLang="zh-TW" sz="2400" dirty="0">
-              <a:latin typeface="標楷體" panose="03000509000000000000" pitchFamily="65" charset="-120"/>
-              <a:ea typeface="標楷體" panose="03000509000000000000" pitchFamily="65" charset="-120"/>
-            </a:endParaRPr>
+              <a:t>pip install -r environments.txt</a:t>
+            </a:r>
           </a:p>
           <a:p>
             <a:endParaRPr lang="en-US" altLang="zh-TW" sz="2400" dirty="0">
@@ -3657,7 +3625,7 @@
           <a:p>
             <a:r>
               <a:rPr lang="en-US" altLang="zh-TW" sz="4400" dirty="0"/>
-              <a:t>realtimeTranslateGoogle.py</a:t>
+              <a:t>realtimeRecognizeGoogle.py</a:t>
             </a:r>
             <a:endParaRPr lang="zh-TW" altLang="en-US" dirty="0"/>
           </a:p>
@@ -3741,6 +3709,19 @@
                 <a:ea typeface="標楷體" panose="03000509000000000000" pitchFamily="65" charset="-120"/>
               </a:rPr>
               <a:t>停止執行</a:t>
+            </a:r>
+            <a:endParaRPr lang="en-US" altLang="zh-TW" sz="2400" dirty="0">
+              <a:latin typeface="標楷體" panose="03000509000000000000" pitchFamily="65" charset="-120"/>
+              <a:ea typeface="標楷體" panose="03000509000000000000" pitchFamily="65" charset="-120"/>
+            </a:endParaRPr>
+          </a:p>
+          <a:p>
+            <a:r>
+              <a:rPr lang="zh-TW" altLang="en-US" sz="2400" dirty="0">
+                <a:latin typeface="標楷體" panose="03000509000000000000" pitchFamily="65" charset="-120"/>
+                <a:ea typeface="標楷體" panose="03000509000000000000" pitchFamily="65" charset="-120"/>
+              </a:rPr>
+              <a:t>需要有網路才能進行語音辨識</a:t>
             </a:r>
           </a:p>
         </p:txBody>
